--- a/pptx_tempalte.pptx
+++ b/pptx_tempalte.pptx
@@ -107,6 +107,11 @@
       </a:defRPr>
     </a:lvl9pPr>
   </p:defaultTextStyle>
+  <p:extLst>
+    <p:ext uri="{EFAFB233-063F-42B5-8137-9DF3F51BA10A}">
+      <p15:sldGuideLst xmlns:p15="http://schemas.microsoft.com/office/powerpoint/2012/main"/>
+    </p:ext>
+  </p:extLst>
 </p:presentation>
 </file>
 
@@ -192,7 +197,7 @@
           <a:p>
             <a:fld id="{FDD5AD1A-A3D3-BC42-AD03-7C3A9910604D}" type="datetimeFigureOut">
               <a:rPr lang="en-IL" smtClean="0"/>
-              <a:t>18/10/2021</a:t>
+              <a:t>20/10/2021</a:t>
             </a:fld>
             <a:endParaRPr lang="en-IL"/>
           </a:p>
@@ -2481,6 +2486,443 @@
 </p:sldLayout>
 </file>
 
+<file path=ppt/slideLayouts/slideLayout8.xml><?xml version="1.0" encoding="utf-8"?>
+<p:sldLayout xmlns:a="http://schemas.openxmlformats.org/drawingml/2006/main" xmlns:r="http://schemas.openxmlformats.org/officeDocument/2006/relationships" xmlns:p="http://schemas.openxmlformats.org/presentationml/2006/main" preserve="1" userDrawn="1">
+  <p:cSld name="layout_full_plot_with_text">
+    <p:spTree>
+      <p:nvGrpSpPr>
+        <p:cNvPr id="1" name=""/>
+        <p:cNvGrpSpPr/>
+        <p:nvPr/>
+      </p:nvGrpSpPr>
+      <p:grpSpPr>
+        <a:xfrm>
+          <a:off x="0" y="0"/>
+          <a:ext cx="0" cy="0"/>
+          <a:chOff x="0" y="0"/>
+          <a:chExt cx="0" cy="0"/>
+        </a:xfrm>
+      </p:grpSpPr>
+      <p:sp>
+        <p:nvSpPr>
+          <p:cNvPr id="9" name="line">
+            <a:extLst>
+              <a:ext uri="{FF2B5EF4-FFF2-40B4-BE49-F238E27FC236}">
+                <a16:creationId xmlns:a16="http://schemas.microsoft.com/office/drawing/2014/main" id="{C7AD5482-5C49-A543-B5AB-3602B721425E}"/>
+              </a:ext>
+            </a:extLst>
+          </p:cNvPr>
+          <p:cNvSpPr/>
+          <p:nvPr userDrawn="1"/>
+        </p:nvSpPr>
+        <p:spPr>
+          <a:xfrm>
+            <a:off x="334963" y="822325"/>
+            <a:ext cx="11522075" cy="50800"/>
+          </a:xfrm>
+          <a:prstGeom prst="rect">
+            <a:avLst/>
+          </a:prstGeom>
+        </p:spPr>
+        <p:style>
+          <a:lnRef idx="2">
+            <a:schemeClr val="accent1">
+              <a:shade val="50000"/>
+            </a:schemeClr>
+          </a:lnRef>
+          <a:fillRef idx="1">
+            <a:schemeClr val="accent1"/>
+          </a:fillRef>
+          <a:effectRef idx="0">
+            <a:schemeClr val="accent1"/>
+          </a:effectRef>
+          <a:fontRef idx="minor">
+            <a:schemeClr val="lt1"/>
+          </a:fontRef>
+        </p:style>
+        <p:txBody>
+          <a:bodyPr rtlCol="0" anchor="ctr"/>
+          <a:lstStyle/>
+          <a:p>
+            <a:pPr algn="ctr"/>
+            <a:endParaRPr lang="en-IL"/>
+          </a:p>
+        </p:txBody>
+      </p:sp>
+      <p:sp>
+        <p:nvSpPr>
+          <p:cNvPr id="13" name="plot">
+            <a:extLst>
+              <a:ext uri="{FF2B5EF4-FFF2-40B4-BE49-F238E27FC236}">
+                <a16:creationId xmlns:a16="http://schemas.microsoft.com/office/drawing/2014/main" id="{4A76181B-4DA1-AD48-B588-6B5F665F0852}"/>
+              </a:ext>
+            </a:extLst>
+          </p:cNvPr>
+          <p:cNvSpPr>
+            <a:spLocks noGrp="1"/>
+          </p:cNvSpPr>
+          <p:nvPr>
+            <p:ph type="pic" sz="quarter" idx="11"/>
+          </p:nvPr>
+        </p:nvSpPr>
+        <p:spPr>
+          <a:xfrm>
+            <a:off x="334963" y="2268882"/>
+            <a:ext cx="11522075" cy="4255743"/>
+          </a:xfrm>
+        </p:spPr>
+        <p:txBody>
+          <a:bodyPr/>
+          <a:lstStyle/>
+          <a:p>
+            <a:pPr marL="0" indent="0" algn="l" defTabSz="914400" rtl="0" eaLnBrk="1" latinLnBrk="0" hangingPunct="1">
+              <a:lnSpc>
+                <a:spcPct val="90000"/>
+              </a:lnSpc>
+              <a:spcBef>
+                <a:spcPts val="1000"/>
+              </a:spcBef>
+              <a:buFont typeface="Arial" panose="020B0604020202020204" pitchFamily="34" charset="0"/>
+              <a:buNone/>
+            </a:pPr>
+            <a:endParaRPr lang="en-IL"/>
+          </a:p>
+        </p:txBody>
+      </p:sp>
+      <p:sp>
+        <p:nvSpPr>
+          <p:cNvPr id="18" name="text">
+            <a:extLst>
+              <a:ext uri="{FF2B5EF4-FFF2-40B4-BE49-F238E27FC236}">
+                <a16:creationId xmlns:a16="http://schemas.microsoft.com/office/drawing/2014/main" id="{3CC5A938-AF1B-024B-BDC1-849901ED11C0}"/>
+              </a:ext>
+            </a:extLst>
+          </p:cNvPr>
+          <p:cNvSpPr>
+            <a:spLocks noGrp="1"/>
+          </p:cNvSpPr>
+          <p:nvPr>
+            <p:ph type="body" sz="quarter" idx="12"/>
+          </p:nvPr>
+        </p:nvSpPr>
+        <p:spPr>
+          <a:xfrm>
+            <a:off x="334963" y="974725"/>
+            <a:ext cx="11522075" cy="500063"/>
+          </a:xfrm>
+        </p:spPr>
+        <p:txBody>
+          <a:bodyPr lIns="0" tIns="0" rIns="0" bIns="0"/>
+          <a:lstStyle>
+            <a:lvl1pPr algn="r">
+              <a:defRPr b="1"/>
+            </a:lvl1pPr>
+          </a:lstStyle>
+          <a:p>
+            <a:pPr marL="0" lvl="0" indent="0" algn="l" defTabSz="914400" rtl="0" eaLnBrk="1" latinLnBrk="0" hangingPunct="1">
+              <a:lnSpc>
+                <a:spcPct val="90000"/>
+              </a:lnSpc>
+              <a:spcBef>
+                <a:spcPts val="1000"/>
+              </a:spcBef>
+              <a:buFont typeface="Arial" panose="020B0604020202020204" pitchFamily="34" charset="0"/>
+              <a:buNone/>
+            </a:pPr>
+            <a:endParaRPr lang="en-IL" dirty="0"/>
+          </a:p>
+        </p:txBody>
+      </p:sp>
+      <p:sp>
+        <p:nvSpPr>
+          <p:cNvPr id="8" name="num">
+            <a:extLst>
+              <a:ext uri="{FF2B5EF4-FFF2-40B4-BE49-F238E27FC236}">
+                <a16:creationId xmlns:a16="http://schemas.microsoft.com/office/drawing/2014/main" id="{3570499E-609F-EC49-A518-B9B5D8123A90}"/>
+              </a:ext>
+            </a:extLst>
+          </p:cNvPr>
+          <p:cNvSpPr>
+            <a:spLocks noGrp="1"/>
+          </p:cNvSpPr>
+          <p:nvPr>
+            <p:ph type="body" sz="quarter" idx="10" hasCustomPrompt="1"/>
+          </p:nvPr>
+        </p:nvSpPr>
+        <p:spPr>
+          <a:xfrm>
+            <a:off x="10637838" y="333375"/>
+            <a:ext cx="1219200" cy="488950"/>
+          </a:xfrm>
+        </p:spPr>
+        <p:txBody>
+          <a:bodyPr lIns="0" tIns="0" rIns="0" bIns="0"/>
+          <a:lstStyle>
+            <a:lvl1pPr algn="r">
+              <a:defRPr b="1">
+                <a:solidFill>
+                  <a:schemeClr val="accent1"/>
+                </a:solidFill>
+              </a:defRPr>
+            </a:lvl1pPr>
+          </a:lstStyle>
+          <a:p>
+            <a:pPr lvl="0"/>
+            <a:r>
+              <a:rPr lang="en-US" dirty="0"/>
+              <a:t>num</a:t>
+            </a:r>
+            <a:endParaRPr lang="en-IL" dirty="0"/>
+          </a:p>
+        </p:txBody>
+      </p:sp>
+      <p:sp>
+        <p:nvSpPr>
+          <p:cNvPr id="23" name="box">
+            <a:extLst>
+              <a:ext uri="{FF2B5EF4-FFF2-40B4-BE49-F238E27FC236}">
+                <a16:creationId xmlns:a16="http://schemas.microsoft.com/office/drawing/2014/main" id="{857EFE2E-E44E-AF44-8141-1D1C4D7DC626}"/>
+              </a:ext>
+            </a:extLst>
+          </p:cNvPr>
+          <p:cNvSpPr/>
+          <p:nvPr userDrawn="1"/>
+        </p:nvSpPr>
+        <p:spPr>
+          <a:xfrm>
+            <a:off x="-20409" y="6610260"/>
+            <a:ext cx="646801" cy="192207"/>
+          </a:xfrm>
+          <a:prstGeom prst="rect">
+            <a:avLst/>
+          </a:prstGeom>
+        </p:spPr>
+        <p:style>
+          <a:lnRef idx="2">
+            <a:schemeClr val="accent1">
+              <a:shade val="50000"/>
+            </a:schemeClr>
+          </a:lnRef>
+          <a:fillRef idx="1">
+            <a:schemeClr val="accent1"/>
+          </a:fillRef>
+          <a:effectRef idx="0">
+            <a:schemeClr val="accent1"/>
+          </a:effectRef>
+          <a:fontRef idx="minor">
+            <a:schemeClr val="lt1"/>
+          </a:fontRef>
+        </p:style>
+        <p:txBody>
+          <a:bodyPr rtlCol="0" anchor="ctr"/>
+          <a:lstStyle/>
+          <a:p>
+            <a:pPr marL="0" algn="ctr" defTabSz="914400" rtl="1" eaLnBrk="1" latinLnBrk="0" hangingPunct="1"/>
+            <a:endParaRPr lang="en-IL"/>
+          </a:p>
+        </p:txBody>
+      </p:sp>
+      <p:sp>
+        <p:nvSpPr>
+          <p:cNvPr id="24" name="page_number">
+            <a:extLst>
+              <a:ext uri="{FF2B5EF4-FFF2-40B4-BE49-F238E27FC236}">
+                <a16:creationId xmlns:a16="http://schemas.microsoft.com/office/drawing/2014/main" id="{8DDCF2EC-570E-2244-84E1-9EEF7B8BDA20}"/>
+              </a:ext>
+            </a:extLst>
+          </p:cNvPr>
+          <p:cNvSpPr>
+            <a:spLocks noGrp="1"/>
+          </p:cNvSpPr>
+          <p:nvPr>
+            <p:ph type="body" sz="quarter" idx="14"/>
+          </p:nvPr>
+        </p:nvSpPr>
+        <p:spPr>
+          <a:xfrm>
+            <a:off x="52960" y="6578569"/>
+            <a:ext cx="500062" cy="255588"/>
+          </a:xfrm>
+        </p:spPr>
+        <p:txBody>
+          <a:bodyPr>
+            <a:noAutofit/>
+          </a:bodyPr>
+          <a:lstStyle>
+            <a:lvl1pPr algn="ctr">
+              <a:defRPr sz="1200">
+                <a:solidFill>
+                  <a:schemeClr val="bg1"/>
+                </a:solidFill>
+              </a:defRPr>
+            </a:lvl1pPr>
+          </a:lstStyle>
+          <a:p>
+            <a:pPr marL="0" lvl="0" indent="0" algn="ctr" defTabSz="914400" rtl="1" eaLnBrk="1" latinLnBrk="0" hangingPunct="1">
+              <a:lnSpc>
+                <a:spcPct val="90000"/>
+              </a:lnSpc>
+              <a:spcBef>
+                <a:spcPts val="1000"/>
+              </a:spcBef>
+              <a:buFont typeface="Arial" panose="020B0604020202020204" pitchFamily="34" charset="0"/>
+              <a:buNone/>
+            </a:pPr>
+            <a:endParaRPr lang="en-IL" dirty="0"/>
+          </a:p>
+        </p:txBody>
+      </p:sp>
+      <p:sp>
+        <p:nvSpPr>
+          <p:cNvPr id="25" name="name_of_capter">
+            <a:extLst>
+              <a:ext uri="{FF2B5EF4-FFF2-40B4-BE49-F238E27FC236}">
+                <a16:creationId xmlns:a16="http://schemas.microsoft.com/office/drawing/2014/main" id="{56460E1B-6A1C-8B47-AD33-88CF022E0B63}"/>
+              </a:ext>
+            </a:extLst>
+          </p:cNvPr>
+          <p:cNvSpPr txBox="1"/>
+          <p:nvPr userDrawn="1"/>
+        </p:nvSpPr>
+        <p:spPr>
+          <a:xfrm>
+            <a:off x="616559" y="6568737"/>
+            <a:ext cx="2337758" cy="276999"/>
+          </a:xfrm>
+          <a:prstGeom prst="rect">
+            <a:avLst/>
+          </a:prstGeom>
+          <a:noFill/>
+        </p:spPr>
+        <p:txBody>
+          <a:bodyPr wrap="square" rtlCol="0">
+            <a:spAutoFit/>
+          </a:bodyPr>
+          <a:lstStyle/>
+          <a:p>
+            <a:r>
+              <a:rPr lang="he-IL" sz="1200" dirty="0"/>
+              <a:t>פרק 4 מערכת הבריאות הממשלתית</a:t>
+            </a:r>
+            <a:endParaRPr lang="en-IL" sz="1200" dirty="0"/>
+          </a:p>
+        </p:txBody>
+      </p:sp>
+      <p:sp>
+        <p:nvSpPr>
+          <p:cNvPr id="10" name="text">
+            <a:extLst>
+              <a:ext uri="{FF2B5EF4-FFF2-40B4-BE49-F238E27FC236}">
+                <a16:creationId xmlns:a16="http://schemas.microsoft.com/office/drawing/2014/main" id="{E5480BE3-6258-FA41-A5AB-ABFA7D36D928}"/>
+              </a:ext>
+            </a:extLst>
+          </p:cNvPr>
+          <p:cNvSpPr>
+            <a:spLocks noGrp="1"/>
+          </p:cNvSpPr>
+          <p:nvPr>
+            <p:ph type="body" sz="quarter" idx="15"/>
+          </p:nvPr>
+        </p:nvSpPr>
+        <p:spPr>
+          <a:xfrm>
+            <a:off x="334962" y="1576389"/>
+            <a:ext cx="11522075" cy="590892"/>
+          </a:xfrm>
+        </p:spPr>
+        <p:txBody>
+          <a:bodyPr lIns="0" tIns="0" rIns="0" bIns="0">
+            <a:normAutofit/>
+          </a:bodyPr>
+          <a:lstStyle>
+            <a:lvl1pPr algn="r">
+              <a:defRPr sz="1200"/>
+            </a:lvl1pPr>
+          </a:lstStyle>
+          <a:p>
+            <a:pPr marL="0" lvl="0" indent="0" algn="l" defTabSz="914400" rtl="0" eaLnBrk="1" latinLnBrk="0" hangingPunct="1">
+              <a:lnSpc>
+                <a:spcPct val="90000"/>
+              </a:lnSpc>
+              <a:spcBef>
+                <a:spcPts val="1000"/>
+              </a:spcBef>
+              <a:buFont typeface="Arial" panose="020B0604020202020204" pitchFamily="34" charset="0"/>
+              <a:buNone/>
+            </a:pPr>
+            <a:endParaRPr lang="he-IL" dirty="0"/>
+          </a:p>
+        </p:txBody>
+      </p:sp>
+    </p:spTree>
+    <p:extLst>
+      <p:ext uri="{BB962C8B-B14F-4D97-AF65-F5344CB8AC3E}">
+        <p14:creationId xmlns:p14="http://schemas.microsoft.com/office/powerpoint/2010/main" val="3393580618"/>
+      </p:ext>
+    </p:extLst>
+  </p:cSld>
+  <p:clrMapOvr>
+    <a:masterClrMapping/>
+  </p:clrMapOvr>
+  <p:extLst>
+    <p:ext uri="{DCECCB84-F9BA-43D5-87BE-67443E8EF086}">
+      <p15:sldGuideLst xmlns:p15="http://schemas.microsoft.com/office/powerpoint/2012/main">
+        <p15:guide id="1" orient="horz" pos="210" userDrawn="1">
+          <p15:clr>
+            <a:srgbClr val="FBAE40"/>
+          </p15:clr>
+        </p15:guide>
+        <p15:guide id="2" pos="211" userDrawn="1">
+          <p15:clr>
+            <a:srgbClr val="FBAE40"/>
+          </p15:clr>
+        </p15:guide>
+        <p15:guide id="3" orient="horz" pos="4110" userDrawn="1">
+          <p15:clr>
+            <a:srgbClr val="FBAE40"/>
+          </p15:clr>
+        </p15:guide>
+        <p15:guide id="4" pos="7469" userDrawn="1">
+          <p15:clr>
+            <a:srgbClr val="FBAE40"/>
+          </p15:clr>
+        </p15:guide>
+        <p15:guide id="5" pos="1912" userDrawn="1">
+          <p15:clr>
+            <a:srgbClr val="FBAE40"/>
+          </p15:clr>
+        </p15:guide>
+        <p15:guide id="6" orient="horz" pos="799" userDrawn="1">
+          <p15:clr>
+            <a:srgbClr val="FBAE40"/>
+          </p15:clr>
+        </p15:guide>
+        <p15:guide id="7" pos="5768" userDrawn="1">
+          <p15:clr>
+            <a:srgbClr val="FBAE40"/>
+          </p15:clr>
+        </p15:guide>
+        <p15:guide id="8" orient="horz" pos="550" userDrawn="1">
+          <p15:clr>
+            <a:srgbClr val="FBAE40"/>
+          </p15:clr>
+        </p15:guide>
+        <p15:guide id="9" orient="horz" pos="2160" userDrawn="1">
+          <p15:clr>
+            <a:srgbClr val="FBAE40"/>
+          </p15:clr>
+        </p15:guide>
+        <p15:guide id="10" pos="3840" userDrawn="1">
+          <p15:clr>
+            <a:srgbClr val="FBAE40"/>
+          </p15:clr>
+        </p15:guide>
+      </p15:sldGuideLst>
+    </p:ext>
+  </p:extLst>
+</p:sldLayout>
+</file>
+
 <file path=ppt/slideMasters/slideMaster1.xml><?xml version="1.0" encoding="utf-8"?>
 <p:sldMaster xmlns:a="http://schemas.openxmlformats.org/drawingml/2006/main" xmlns:r="http://schemas.openxmlformats.org/officeDocument/2006/relationships" xmlns:p="http://schemas.openxmlformats.org/presentationml/2006/main">
   <p:cSld>
@@ -2651,7 +3093,7 @@
           <a:p>
             <a:fld id="{DCF901EB-F9BC-564B-B97D-4101A6D72F07}" type="datetime1">
               <a:rPr lang="en-US" smtClean="0"/>
-              <a:t>10/18/21</a:t>
+              <a:t>10/20/21</a:t>
             </a:fld>
             <a:endParaRPr lang="en-IL"/>
           </a:p>
@@ -2763,6 +3205,7 @@
     <p:sldLayoutId id="2147483651" r:id="rId5"/>
     <p:sldLayoutId id="2147483653" r:id="rId6"/>
     <p:sldLayoutId id="2147483654" r:id="rId7"/>
+    <p:sldLayoutId id="2147483656" r:id="rId8"/>
   </p:sldLayoutIdLst>
   <p:hf hdr="0" ftr="0" dt="0"/>
   <p:txStyles>

--- a/pptx_tempalte.pptx
+++ b/pptx_tempalte.pptx
@@ -2591,7 +2591,7 @@
       </p:sp>
       <p:sp>
         <p:nvSpPr>
-          <p:cNvPr id="18" name="text">
+          <p:cNvPr id="18" name="title_text">
             <a:extLst>
               <a:ext uri="{FF2B5EF4-FFF2-40B4-BE49-F238E27FC236}">
                 <a16:creationId xmlns:a16="http://schemas.microsoft.com/office/drawing/2014/main" id="{3CC5A938-AF1B-024B-BDC1-849901ED11C0}"/>
@@ -2840,7 +2840,7 @@
             </a:lvl1pPr>
           </a:lstStyle>
           <a:p>
-            <a:pPr marL="0" lvl="0" indent="0" algn="l" defTabSz="914400" rtl="0" eaLnBrk="1" latinLnBrk="0" hangingPunct="1">
+            <a:pPr marL="0" lvl="0" indent="0" algn="r" defTabSz="914400" rtl="1" eaLnBrk="1" latinLnBrk="0" hangingPunct="1">
               <a:lnSpc>
                 <a:spcPct val="90000"/>
               </a:lnSpc>
